--- a/Semana 12/Dia 4/WebAPI.pptx
+++ b/Semana 12/Dia 4/WebAPI.pptx
@@ -5,7 +5,7 @@
     <p:sldMasterId id="2147483648" r:id="rId1"/>
   </p:sldMasterIdLst>
   <p:notesMasterIdLst>
-    <p:notesMasterId r:id="rId41"/>
+    <p:notesMasterId r:id="rId39"/>
   </p:notesMasterIdLst>
   <p:sldIdLst>
     <p:sldId id="256" r:id="rId2"/>
@@ -45,8 +45,6 @@
     <p:sldId id="273" r:id="rId36"/>
     <p:sldId id="274" r:id="rId37"/>
     <p:sldId id="275" r:id="rId38"/>
-    <p:sldId id="276" r:id="rId39"/>
-    <p:sldId id="277" r:id="rId40"/>
   </p:sldIdLst>
   <p:sldSz cx="12192000" cy="6858000"/>
   <p:notesSz cx="6858000" cy="9144000"/>
@@ -145,6 +143,11 @@
       </a:defRPr>
     </a:lvl9pPr>
   </p:defaultTextStyle>
+  <p:extLst>
+    <p:ext uri="{EFAFB233-063F-42B5-8137-9DF3F51BA10A}">
+      <p15:sldGuideLst xmlns:p15="http://schemas.microsoft.com/office/powerpoint/2012/main"/>
+    </p:ext>
+  </p:extLst>
 </p:presentation>
 </file>
 
@@ -230,7 +233,7 @@
           <a:p>
             <a:fld id="{A62999A7-C7D1-4E7D-8EEF-24F7CDB8642D}" type="datetimeFigureOut">
               <a:rPr lang="es-US" smtClean="0"/>
-              <a:t>5/8/2019</a:t>
+              <a:t>5/9/2019</a:t>
             </a:fld>
             <a:endParaRPr lang="es-US"/>
           </a:p>
@@ -542,27 +545,7 @@
           <a:bodyPr/>
           <a:lstStyle/>
           <a:p>
-            <a:r>
-              <a:rPr lang="es-US" dirty="0"/>
-              <a:t>Un API implementa REST si sigue estos principios</a:t>
-            </a:r>
-          </a:p>
-          <a:p>
-            <a:r>
-              <a:rPr lang="es-US" dirty="0"/>
-              <a:t>Si las cumple todas estas condiciones es </a:t>
-            </a:r>
-            <a:r>
-              <a:rPr lang="es-US" dirty="0" err="1"/>
-              <a:t>RESTful</a:t>
-            </a:r>
             <a:endParaRPr lang="es-US" dirty="0"/>
-          </a:p>
-          <a:p>
-            <a:r>
-              <a:rPr lang="es-US" dirty="0"/>
-              <a:t>Consumir un web api es querer acceder a sus recursos</a:t>
-            </a:r>
           </a:p>
         </p:txBody>
       </p:sp>
@@ -583,7 +566,7 @@
           <a:p>
             <a:fld id="{4004B435-5BE5-4348-B665-84CD94CBF3E0}" type="slidenum">
               <a:rPr lang="es-US" smtClean="0"/>
-              <a:t>5</a:t>
+              <a:t>1</a:t>
             </a:fld>
             <a:endParaRPr lang="es-US"/>
           </a:p>
@@ -592,7 +575,7 @@
     </p:spTree>
     <p:extLst>
       <p:ext uri="{BB962C8B-B14F-4D97-AF65-F5344CB8AC3E}">
-        <p14:creationId xmlns:p14="http://schemas.microsoft.com/office/powerpoint/2010/main" val="4024808119"/>
+        <p14:creationId xmlns:p14="http://schemas.microsoft.com/office/powerpoint/2010/main" val="1699955729"/>
       </p:ext>
     </p:extLst>
   </p:cSld>
@@ -648,37 +631,24 @@
           <a:p>
             <a:r>
               <a:rPr lang="es-US" dirty="0"/>
-              <a:t>Estilo RPC </a:t>
+              <a:t>Un API implementa REST si sigue estos principios</a:t>
+            </a:r>
+          </a:p>
+          <a:p>
+            <a:r>
+              <a:rPr lang="es-US" dirty="0"/>
+              <a:t>Si las cumple todas estas condiciones es </a:t>
             </a:r>
             <a:r>
               <a:rPr lang="es-US" dirty="0" err="1"/>
-              <a:t>Remote</a:t>
-            </a:r>
+              <a:t>RESTful</a:t>
+            </a:r>
+            <a:endParaRPr lang="es-US" dirty="0"/>
+          </a:p>
+          <a:p>
             <a:r>
               <a:rPr lang="es-US" dirty="0"/>
-              <a:t> </a:t>
-            </a:r>
-            <a:r>
-              <a:rPr lang="es-US" dirty="0" err="1"/>
-              <a:t>procedure</a:t>
-            </a:r>
-            <a:r>
-              <a:rPr lang="es-US" dirty="0"/>
-              <a:t> </a:t>
-            </a:r>
-            <a:r>
-              <a:rPr lang="es-US" dirty="0" err="1"/>
-              <a:t>call</a:t>
-            </a:r>
-            <a:r>
-              <a:rPr lang="es-US" dirty="0"/>
-              <a:t>  (funciones llamadas remotamente)</a:t>
-            </a:r>
-          </a:p>
-          <a:p>
-            <a:r>
-              <a:rPr lang="es-US" dirty="0"/>
-              <a:t>Estilo REST entidades, conocidas como recursos</a:t>
+              <a:t>Consumir un web api es querer acceder a sus recursos</a:t>
             </a:r>
           </a:p>
         </p:txBody>
@@ -700,7 +670,7 @@
           <a:p>
             <a:fld id="{4004B435-5BE5-4348-B665-84CD94CBF3E0}" type="slidenum">
               <a:rPr lang="es-US" smtClean="0"/>
-              <a:t>9</a:t>
+              <a:t>5</a:t>
             </a:fld>
             <a:endParaRPr lang="es-US"/>
           </a:p>
@@ -709,7 +679,7 @@
     </p:spTree>
     <p:extLst>
       <p:ext uri="{BB962C8B-B14F-4D97-AF65-F5344CB8AC3E}">
-        <p14:creationId xmlns:p14="http://schemas.microsoft.com/office/powerpoint/2010/main" val="1390492419"/>
+        <p14:creationId xmlns:p14="http://schemas.microsoft.com/office/powerpoint/2010/main" val="4024808119"/>
       </p:ext>
     </p:extLst>
   </p:cSld>
@@ -765,11 +735,11 @@
           <a:p>
             <a:r>
               <a:rPr lang="es-US" dirty="0"/>
-              <a:t>URI (</a:t>
+              <a:t>Estilo RPC </a:t>
             </a:r>
             <a:r>
               <a:rPr lang="es-US" dirty="0" err="1"/>
-              <a:t>Uniform</a:t>
+              <a:t>Remote</a:t>
             </a:r>
             <a:r>
               <a:rPr lang="es-US" dirty="0"/>
@@ -777,7 +747,7 @@
             </a:r>
             <a:r>
               <a:rPr lang="es-US" dirty="0" err="1"/>
-              <a:t>Resource</a:t>
+              <a:t>procedure</a:t>
             </a:r>
             <a:r>
               <a:rPr lang="es-US" dirty="0"/>
@@ -785,75 +755,18 @@
             </a:r>
             <a:r>
               <a:rPr lang="es-US" dirty="0" err="1"/>
-              <a:t>Identifier</a:t>
+              <a:t>call</a:t>
             </a:r>
             <a:r>
               <a:rPr lang="es-US" dirty="0"/>
-              <a:t>)</a:t>
+              <a:t>  (funciones llamadas remotamente)</a:t>
             </a:r>
           </a:p>
           <a:p>
             <a:r>
               <a:rPr lang="es-US" dirty="0"/>
-              <a:t>HTTP </a:t>
-            </a:r>
-            <a:r>
-              <a:rPr lang="es-US" dirty="0" err="1"/>
-              <a:t>Verbs</a:t>
-            </a:r>
-            <a:r>
-              <a:rPr lang="es-US" dirty="0"/>
-              <a:t> (métodos)</a:t>
-            </a:r>
-          </a:p>
-          <a:p>
-            <a:r>
-              <a:rPr lang="es-US" dirty="0"/>
-              <a:t>Media </a:t>
-            </a:r>
-            <a:r>
-              <a:rPr lang="es-US" dirty="0" err="1"/>
-              <a:t>types</a:t>
-            </a:r>
-            <a:r>
-              <a:rPr lang="es-US" dirty="0"/>
-              <a:t>, tipo de datos </a:t>
-            </a:r>
-          </a:p>
-          <a:p>
-            <a:r>
-              <a:rPr lang="es-US" dirty="0"/>
-              <a:t>HATEOAS </a:t>
-            </a:r>
-            <a:r>
-              <a:rPr lang="es-US" dirty="0" err="1"/>
-              <a:t>Hypermedia</a:t>
-            </a:r>
-            <a:r>
-              <a:rPr lang="es-US" dirty="0"/>
-              <a:t> as the </a:t>
-            </a:r>
-            <a:r>
-              <a:rPr lang="es-US" dirty="0" err="1"/>
-              <a:t>engine</a:t>
-            </a:r>
-            <a:r>
-              <a:rPr lang="es-US" dirty="0"/>
-              <a:t> of </a:t>
-            </a:r>
-            <a:r>
-              <a:rPr lang="es-US" dirty="0" err="1"/>
-              <a:t>application</a:t>
-            </a:r>
-            <a:r>
-              <a:rPr lang="es-US" dirty="0"/>
-              <a:t> </a:t>
-            </a:r>
-            <a:r>
-              <a:rPr lang="es-US" dirty="0" err="1"/>
-              <a:t>state</a:t>
-            </a:r>
-            <a:endParaRPr lang="es-US" dirty="0"/>
+              <a:t>Estilo REST entidades, conocidas como recursos</a:t>
+            </a:r>
           </a:p>
         </p:txBody>
       </p:sp>
@@ -874,7 +787,7 @@
           <a:p>
             <a:fld id="{4004B435-5BE5-4348-B665-84CD94CBF3E0}" type="slidenum">
               <a:rPr lang="es-US" smtClean="0"/>
-              <a:t>14</a:t>
+              <a:t>9</a:t>
             </a:fld>
             <a:endParaRPr lang="es-US"/>
           </a:p>
@@ -883,7 +796,7 @@
     </p:spTree>
     <p:extLst>
       <p:ext uri="{BB962C8B-B14F-4D97-AF65-F5344CB8AC3E}">
-        <p14:creationId xmlns:p14="http://schemas.microsoft.com/office/powerpoint/2010/main" val="3634269494"/>
+        <p14:creationId xmlns:p14="http://schemas.microsoft.com/office/powerpoint/2010/main" val="1390492419"/>
       </p:ext>
     </p:extLst>
   </p:cSld>
@@ -939,8 +852,95 @@
           <a:p>
             <a:r>
               <a:rPr lang="es-US" dirty="0"/>
-              <a:t>Mejora la velocidad y el retraso de respuesta.</a:t>
-            </a:r>
+              <a:t>URI (</a:t>
+            </a:r>
+            <a:r>
+              <a:rPr lang="es-US" dirty="0" err="1"/>
+              <a:t>Uniform</a:t>
+            </a:r>
+            <a:r>
+              <a:rPr lang="es-US" dirty="0"/>
+              <a:t> </a:t>
+            </a:r>
+            <a:r>
+              <a:rPr lang="es-US" dirty="0" err="1"/>
+              <a:t>Resource</a:t>
+            </a:r>
+            <a:r>
+              <a:rPr lang="es-US" dirty="0"/>
+              <a:t> </a:t>
+            </a:r>
+            <a:r>
+              <a:rPr lang="es-US" dirty="0" err="1"/>
+              <a:t>Identifier</a:t>
+            </a:r>
+            <a:r>
+              <a:rPr lang="es-US" dirty="0"/>
+              <a:t>)</a:t>
+            </a:r>
+          </a:p>
+          <a:p>
+            <a:r>
+              <a:rPr lang="es-US" dirty="0"/>
+              <a:t>HTTP </a:t>
+            </a:r>
+            <a:r>
+              <a:rPr lang="es-US" dirty="0" err="1"/>
+              <a:t>Verbs</a:t>
+            </a:r>
+            <a:r>
+              <a:rPr lang="es-US" dirty="0"/>
+              <a:t> (métodos)</a:t>
+            </a:r>
+          </a:p>
+          <a:p>
+            <a:r>
+              <a:rPr lang="es-US" dirty="0"/>
+              <a:t>Media </a:t>
+            </a:r>
+            <a:r>
+              <a:rPr lang="es-US" dirty="0" err="1"/>
+              <a:t>types</a:t>
+            </a:r>
+            <a:r>
+              <a:rPr lang="es-US" dirty="0"/>
+              <a:t>, tipo de datos </a:t>
+            </a:r>
+          </a:p>
+          <a:p>
+            <a:r>
+              <a:rPr lang="es-US" dirty="0"/>
+              <a:t>HATEOAS </a:t>
+            </a:r>
+            <a:r>
+              <a:rPr lang="es-US" dirty="0" err="1"/>
+              <a:t>Hypermedia</a:t>
+            </a:r>
+            <a:r>
+              <a:rPr lang="es-US" dirty="0"/>
+              <a:t> as the </a:t>
+            </a:r>
+            <a:r>
+              <a:rPr lang="es-US" dirty="0" err="1"/>
+              <a:t>engine</a:t>
+            </a:r>
+            <a:r>
+              <a:rPr lang="es-US" dirty="0"/>
+              <a:t> of </a:t>
+            </a:r>
+            <a:r>
+              <a:rPr lang="es-US" dirty="0" err="1"/>
+              <a:t>application</a:t>
+            </a:r>
+            <a:r>
+              <a:rPr lang="es-US" dirty="0"/>
+              <a:t> </a:t>
+            </a:r>
+            <a:r>
+              <a:rPr lang="es-US" dirty="0" err="1"/>
+              <a:t>state</a:t>
+            </a:r>
+            <a:endParaRPr lang="es-US" dirty="0"/>
           </a:p>
         </p:txBody>
       </p:sp>
@@ -961,7 +961,7 @@
           <a:p>
             <a:fld id="{4004B435-5BE5-4348-B665-84CD94CBF3E0}" type="slidenum">
               <a:rPr lang="es-US" smtClean="0"/>
-              <a:t>15</a:t>
+              <a:t>14</a:t>
             </a:fld>
             <a:endParaRPr lang="es-US"/>
           </a:p>
@@ -970,7 +970,7 @@
     </p:spTree>
     <p:extLst>
       <p:ext uri="{BB962C8B-B14F-4D97-AF65-F5344CB8AC3E}">
-        <p14:creationId xmlns:p14="http://schemas.microsoft.com/office/powerpoint/2010/main" val="3495224233"/>
+        <p14:creationId xmlns:p14="http://schemas.microsoft.com/office/powerpoint/2010/main" val="3634269494"/>
       </p:ext>
     </p:extLst>
   </p:cSld>
@@ -1026,6 +1026,93 @@
           <a:p>
             <a:r>
               <a:rPr lang="es-US" dirty="0"/>
+              <a:t>Mejora la velocidad y el retraso de respuesta.</a:t>
+            </a:r>
+          </a:p>
+        </p:txBody>
+      </p:sp>
+      <p:sp>
+        <p:nvSpPr>
+          <p:cNvPr id="4" name="Marcador de número de diapositiva 3"/>
+          <p:cNvSpPr>
+            <a:spLocks noGrp="1"/>
+          </p:cNvSpPr>
+          <p:nvPr>
+            <p:ph type="sldNum" sz="quarter" idx="5"/>
+          </p:nvPr>
+        </p:nvSpPr>
+        <p:spPr/>
+        <p:txBody>
+          <a:bodyPr/>
+          <a:lstStyle/>
+          <a:p>
+            <a:fld id="{4004B435-5BE5-4348-B665-84CD94CBF3E0}" type="slidenum">
+              <a:rPr lang="es-US" smtClean="0"/>
+              <a:t>15</a:t>
+            </a:fld>
+            <a:endParaRPr lang="es-US"/>
+          </a:p>
+        </p:txBody>
+      </p:sp>
+    </p:spTree>
+    <p:extLst>
+      <p:ext uri="{BB962C8B-B14F-4D97-AF65-F5344CB8AC3E}">
+        <p14:creationId xmlns:p14="http://schemas.microsoft.com/office/powerpoint/2010/main" val="3495224233"/>
+      </p:ext>
+    </p:extLst>
+  </p:cSld>
+  <p:clrMapOvr>
+    <a:masterClrMapping/>
+  </p:clrMapOvr>
+</p:notes>
+</file>
+
+<file path=ppt/notesSlides/notesSlide6.xml><?xml version="1.0" encoding="utf-8"?>
+<p:notes xmlns:a="http://schemas.openxmlformats.org/drawingml/2006/main" xmlns:r="http://schemas.openxmlformats.org/officeDocument/2006/relationships" xmlns:p="http://schemas.openxmlformats.org/presentationml/2006/main">
+  <p:cSld>
+    <p:spTree>
+      <p:nvGrpSpPr>
+        <p:cNvPr id="1" name=""/>
+        <p:cNvGrpSpPr/>
+        <p:nvPr/>
+      </p:nvGrpSpPr>
+      <p:grpSpPr>
+        <a:xfrm>
+          <a:off x="0" y="0"/>
+          <a:ext cx="0" cy="0"/>
+          <a:chOff x="0" y="0"/>
+          <a:chExt cx="0" cy="0"/>
+        </a:xfrm>
+      </p:grpSpPr>
+      <p:sp>
+        <p:nvSpPr>
+          <p:cNvPr id="2" name="Marcador de imagen de diapositiva 1"/>
+          <p:cNvSpPr>
+            <a:spLocks noGrp="1" noRot="1" noChangeAspect="1"/>
+          </p:cNvSpPr>
+          <p:nvPr>
+            <p:ph type="sldImg"/>
+          </p:nvPr>
+        </p:nvSpPr>
+        <p:spPr/>
+      </p:sp>
+      <p:sp>
+        <p:nvSpPr>
+          <p:cNvPr id="3" name="Marcador de notas 2"/>
+          <p:cNvSpPr>
+            <a:spLocks noGrp="1"/>
+          </p:cNvSpPr>
+          <p:nvPr>
+            <p:ph type="body" idx="1"/>
+          </p:nvPr>
+        </p:nvSpPr>
+        <p:spPr/>
+        <p:txBody>
+          <a:bodyPr/>
+          <a:lstStyle/>
+          <a:p>
+            <a:r>
+              <a:rPr lang="es-US" dirty="0"/>
               <a:t>Implementado en aplicaciones web donde el cliente usa un lenguaje de scripts como JavaScript.</a:t>
             </a:r>
           </a:p>
@@ -1073,7 +1160,7 @@
 </p:notes>
 </file>
 
-<file path=ppt/notesSlides/notesSlide6.xml><?xml version="1.0" encoding="utf-8"?>
+<file path=ppt/notesSlides/notesSlide7.xml><?xml version="1.0" encoding="utf-8"?>
 <p:notes xmlns:a="http://schemas.openxmlformats.org/drawingml/2006/main" xmlns:r="http://schemas.openxmlformats.org/officeDocument/2006/relationships" xmlns:p="http://schemas.openxmlformats.org/presentationml/2006/main">
   <p:cSld>
     <p:spTree>
@@ -2412,7 +2499,7 @@
             <a:fld id="{9334D819-9F07-4261-B09B-9E467E5D9002}" type="datetimeFigureOut">
               <a:rPr lang="en-US" dirty="0"/>
               <a:pPr/>
-              <a:t>5/8/2019</a:t>
+              <a:t>5/9/2019</a:t>
             </a:fld>
             <a:endParaRPr lang="en-US" dirty="0"/>
           </a:p>
@@ -2646,7 +2733,7 @@
           <a:p>
             <a:fld id="{9334D819-9F07-4261-B09B-9E467E5D9002}" type="datetimeFigureOut">
               <a:rPr lang="en-US" dirty="0"/>
-              <a:t>5/8/2019</a:t>
+              <a:t>5/9/2019</a:t>
             </a:fld>
             <a:endParaRPr lang="en-US" dirty="0"/>
           </a:p>
@@ -2821,7 +2908,7 @@
           <a:p>
             <a:fld id="{9334D819-9F07-4261-B09B-9E467E5D9002}" type="datetimeFigureOut">
               <a:rPr lang="en-US" dirty="0"/>
-              <a:t>5/8/2019</a:t>
+              <a:t>5/9/2019</a:t>
             </a:fld>
             <a:endParaRPr lang="en-US" dirty="0"/>
           </a:p>
@@ -2986,7 +3073,7 @@
           <a:p>
             <a:fld id="{9334D819-9F07-4261-B09B-9E467E5D9002}" type="datetimeFigureOut">
               <a:rPr lang="en-US" dirty="0"/>
-              <a:t>5/8/2019</a:t>
+              <a:t>5/9/2019</a:t>
             </a:fld>
             <a:endParaRPr lang="en-US" dirty="0"/>
           </a:p>
@@ -3258,7 +3345,7 @@
             <a:fld id="{9334D819-9F07-4261-B09B-9E467E5D9002}" type="datetimeFigureOut">
               <a:rPr lang="en-US" dirty="0"/>
               <a:pPr/>
-              <a:t>5/8/2019</a:t>
+              <a:t>5/9/2019</a:t>
             </a:fld>
             <a:endParaRPr lang="en-US" dirty="0"/>
           </a:p>
@@ -4455,7 +4542,7 @@
           <a:p>
             <a:fld id="{9334D819-9F07-4261-B09B-9E467E5D9002}" type="datetimeFigureOut">
               <a:rPr lang="en-US" dirty="0"/>
-              <a:t>5/8/2019</a:t>
+              <a:t>5/9/2019</a:t>
             </a:fld>
             <a:endParaRPr lang="en-US" dirty="0"/>
           </a:p>
@@ -4840,7 +4927,7 @@
           <a:p>
             <a:fld id="{9334D819-9F07-4261-B09B-9E467E5D9002}" type="datetimeFigureOut">
               <a:rPr lang="en-US" dirty="0"/>
-              <a:t>5/8/2019</a:t>
+              <a:t>5/9/2019</a:t>
             </a:fld>
             <a:endParaRPr lang="en-US" dirty="0"/>
           </a:p>
@@ -4958,7 +5045,7 @@
           <a:p>
             <a:fld id="{9334D819-9F07-4261-B09B-9E467E5D9002}" type="datetimeFigureOut">
               <a:rPr lang="en-US" dirty="0"/>
-              <a:t>5/8/2019</a:t>
+              <a:t>5/9/2019</a:t>
             </a:fld>
             <a:endParaRPr lang="en-US" dirty="0"/>
           </a:p>
@@ -5048,7 +5135,7 @@
           <a:p>
             <a:fld id="{9334D819-9F07-4261-B09B-9E467E5D9002}" type="datetimeFigureOut">
               <a:rPr lang="en-US" dirty="0"/>
-              <a:t>5/8/2019</a:t>
+              <a:t>5/9/2019</a:t>
             </a:fld>
             <a:endParaRPr lang="en-US" dirty="0"/>
           </a:p>
@@ -5806,7 +5893,7 @@
           <a:p>
             <a:fld id="{9334D819-9F07-4261-B09B-9E467E5D9002}" type="datetimeFigureOut">
               <a:rPr lang="en-US" dirty="0"/>
-              <a:t>5/8/2019</a:t>
+              <a:t>5/9/2019</a:t>
             </a:fld>
             <a:endParaRPr lang="en-US" dirty="0"/>
           </a:p>
@@ -6641,7 +6728,7 @@
           <a:p>
             <a:fld id="{9334D819-9F07-4261-B09B-9E467E5D9002}" type="datetimeFigureOut">
               <a:rPr lang="en-US" dirty="0"/>
-              <a:t>5/8/2019</a:t>
+              <a:t>5/9/2019</a:t>
             </a:fld>
             <a:endParaRPr lang="en-US" dirty="0"/>
           </a:p>
@@ -6864,7 +6951,7 @@
             <a:fld id="{9334D819-9F07-4261-B09B-9E467E5D9002}" type="datetimeFigureOut">
               <a:rPr lang="en-US" dirty="0"/>
               <a:pPr/>
-              <a:t>5/8/2019</a:t>
+              <a:t>5/9/2019</a:t>
             </a:fld>
             <a:endParaRPr lang="en-US" dirty="0"/>
           </a:p>
@@ -10424,44 +10511,6 @@
           </a:p>
         </p:txBody>
       </p:sp>
-      <p:sp>
-        <p:nvSpPr>
-          <p:cNvPr id="4" name="Rectángulo 3">
-            <a:extLst>
-              <a:ext uri="{FF2B5EF4-FFF2-40B4-BE49-F238E27FC236}">
-                <a16:creationId xmlns:a16="http://schemas.microsoft.com/office/drawing/2014/main" id="{A588EE40-AF15-4F16-829A-E211226A8026}"/>
-              </a:ext>
-            </a:extLst>
-          </p:cNvPr>
-          <p:cNvSpPr/>
-          <p:nvPr/>
-        </p:nvSpPr>
-        <p:spPr>
-          <a:xfrm>
-            <a:off x="3665527" y="4587057"/>
-            <a:ext cx="4860946" cy="461665"/>
-          </a:xfrm>
-          <a:prstGeom prst="rect">
-            <a:avLst/>
-          </a:prstGeom>
-        </p:spPr>
-        <p:txBody>
-          <a:bodyPr wrap="none">
-            <a:spAutoFit/>
-          </a:bodyPr>
-          <a:lstStyle/>
-          <a:p>
-            <a:r>
-              <a:rPr lang="es-US" sz="2400" b="1" dirty="0">
-                <a:solidFill>
-                  <a:srgbClr val="F8B323"/>
-                </a:solidFill>
-              </a:rPr>
-              <a:t>https://mipagina.com/api/usuario</a:t>
-            </a:r>
-          </a:p>
-        </p:txBody>
-      </p:sp>
     </p:spTree>
     <p:extLst>
       <p:ext uri="{BB962C8B-B14F-4D97-AF65-F5344CB8AC3E}">
@@ -11877,170 +11926,6 @@
 </p:sld>
 </file>
 
-<file path=ppt/slides/slide38.xml><?xml version="1.0" encoding="utf-8"?>
-<p:sld xmlns:a="http://schemas.openxmlformats.org/drawingml/2006/main" xmlns:r="http://schemas.openxmlformats.org/officeDocument/2006/relationships" xmlns:p="http://schemas.openxmlformats.org/presentationml/2006/main">
-  <p:cSld>
-    <p:spTree>
-      <p:nvGrpSpPr>
-        <p:cNvPr id="1" name=""/>
-        <p:cNvGrpSpPr/>
-        <p:nvPr/>
-      </p:nvGrpSpPr>
-      <p:grpSpPr>
-        <a:xfrm>
-          <a:off x="0" y="0"/>
-          <a:ext cx="0" cy="0"/>
-          <a:chOff x="0" y="0"/>
-          <a:chExt cx="0" cy="0"/>
-        </a:xfrm>
-      </p:grpSpPr>
-      <p:sp>
-        <p:nvSpPr>
-          <p:cNvPr id="2" name="Título 1">
-            <a:extLst>
-              <a:ext uri="{FF2B5EF4-FFF2-40B4-BE49-F238E27FC236}">
-                <a16:creationId xmlns:a16="http://schemas.microsoft.com/office/drawing/2014/main" id="{918391BB-B149-49D4-978B-639C702EBC7A}"/>
-              </a:ext>
-            </a:extLst>
-          </p:cNvPr>
-          <p:cNvSpPr>
-            <a:spLocks noGrp="1"/>
-          </p:cNvSpPr>
-          <p:nvPr>
-            <p:ph type="title"/>
-          </p:nvPr>
-        </p:nvSpPr>
-        <p:spPr/>
-        <p:txBody>
-          <a:bodyPr/>
-          <a:lstStyle/>
-          <a:p>
-            <a:endParaRPr lang="es-US"/>
-          </a:p>
-        </p:txBody>
-      </p:sp>
-      <p:sp>
-        <p:nvSpPr>
-          <p:cNvPr id="3" name="Marcador de contenido 2">
-            <a:extLst>
-              <a:ext uri="{FF2B5EF4-FFF2-40B4-BE49-F238E27FC236}">
-                <a16:creationId xmlns:a16="http://schemas.microsoft.com/office/drawing/2014/main" id="{5E49FAA5-8DC7-4DAF-A0E4-AB5060589F5A}"/>
-              </a:ext>
-            </a:extLst>
-          </p:cNvPr>
-          <p:cNvSpPr>
-            <a:spLocks noGrp="1"/>
-          </p:cNvSpPr>
-          <p:nvPr>
-            <p:ph idx="1"/>
-          </p:nvPr>
-        </p:nvSpPr>
-        <p:spPr/>
-        <p:txBody>
-          <a:bodyPr>
-            <a:normAutofit/>
-          </a:bodyPr>
-          <a:lstStyle/>
-          <a:p>
-            <a:endParaRPr lang="es-US" sz="2400" dirty="0"/>
-          </a:p>
-        </p:txBody>
-      </p:sp>
-    </p:spTree>
-    <p:extLst>
-      <p:ext uri="{BB962C8B-B14F-4D97-AF65-F5344CB8AC3E}">
-        <p14:creationId xmlns:p14="http://schemas.microsoft.com/office/powerpoint/2010/main" val="2311665691"/>
-      </p:ext>
-    </p:extLst>
-  </p:cSld>
-  <p:clrMapOvr>
-    <a:masterClrMapping/>
-  </p:clrMapOvr>
-</p:sld>
-</file>
-
-<file path=ppt/slides/slide39.xml><?xml version="1.0" encoding="utf-8"?>
-<p:sld xmlns:a="http://schemas.openxmlformats.org/drawingml/2006/main" xmlns:r="http://schemas.openxmlformats.org/officeDocument/2006/relationships" xmlns:p="http://schemas.openxmlformats.org/presentationml/2006/main">
-  <p:cSld>
-    <p:spTree>
-      <p:nvGrpSpPr>
-        <p:cNvPr id="1" name=""/>
-        <p:cNvGrpSpPr/>
-        <p:nvPr/>
-      </p:nvGrpSpPr>
-      <p:grpSpPr>
-        <a:xfrm>
-          <a:off x="0" y="0"/>
-          <a:ext cx="0" cy="0"/>
-          <a:chOff x="0" y="0"/>
-          <a:chExt cx="0" cy="0"/>
-        </a:xfrm>
-      </p:grpSpPr>
-      <p:sp>
-        <p:nvSpPr>
-          <p:cNvPr id="2" name="Título 1">
-            <a:extLst>
-              <a:ext uri="{FF2B5EF4-FFF2-40B4-BE49-F238E27FC236}">
-                <a16:creationId xmlns:a16="http://schemas.microsoft.com/office/drawing/2014/main" id="{918391BB-B149-49D4-978B-639C702EBC7A}"/>
-              </a:ext>
-            </a:extLst>
-          </p:cNvPr>
-          <p:cNvSpPr>
-            <a:spLocks noGrp="1"/>
-          </p:cNvSpPr>
-          <p:nvPr>
-            <p:ph type="title"/>
-          </p:nvPr>
-        </p:nvSpPr>
-        <p:spPr/>
-        <p:txBody>
-          <a:bodyPr/>
-          <a:lstStyle/>
-          <a:p>
-            <a:endParaRPr lang="es-US"/>
-          </a:p>
-        </p:txBody>
-      </p:sp>
-      <p:sp>
-        <p:nvSpPr>
-          <p:cNvPr id="3" name="Marcador de contenido 2">
-            <a:extLst>
-              <a:ext uri="{FF2B5EF4-FFF2-40B4-BE49-F238E27FC236}">
-                <a16:creationId xmlns:a16="http://schemas.microsoft.com/office/drawing/2014/main" id="{5E49FAA5-8DC7-4DAF-A0E4-AB5060589F5A}"/>
-              </a:ext>
-            </a:extLst>
-          </p:cNvPr>
-          <p:cNvSpPr>
-            <a:spLocks noGrp="1"/>
-          </p:cNvSpPr>
-          <p:nvPr>
-            <p:ph idx="1"/>
-          </p:nvPr>
-        </p:nvSpPr>
-        <p:spPr/>
-        <p:txBody>
-          <a:bodyPr>
-            <a:normAutofit/>
-          </a:bodyPr>
-          <a:lstStyle/>
-          <a:p>
-            <a:endParaRPr lang="es-US" sz="2400" dirty="0"/>
-          </a:p>
-        </p:txBody>
-      </p:sp>
-    </p:spTree>
-    <p:extLst>
-      <p:ext uri="{BB962C8B-B14F-4D97-AF65-F5344CB8AC3E}">
-        <p14:creationId xmlns:p14="http://schemas.microsoft.com/office/powerpoint/2010/main" val="3574172507"/>
-      </p:ext>
-    </p:extLst>
-  </p:cSld>
-  <p:clrMapOvr>
-    <a:masterClrMapping/>
-  </p:clrMapOvr>
-</p:sld>
-</file>
-
 <file path=ppt/slides/slide4.xml><?xml version="1.0" encoding="utf-8"?>
 <p:sld xmlns:a="http://schemas.openxmlformats.org/drawingml/2006/main" xmlns:r="http://schemas.openxmlformats.org/officeDocument/2006/relationships" xmlns:p="http://schemas.openxmlformats.org/presentationml/2006/main">
   <p:cSld>
@@ -12112,6 +11997,12 @@
             <a:r>
               <a:rPr lang="es-US" sz="2400" dirty="0"/>
               <a:t>REST</a:t>
+            </a:r>
+          </a:p>
+          <a:p>
+            <a:r>
+              <a:rPr lang="es-US" sz="2400" dirty="0"/>
+              <a:t>RPC</a:t>
             </a:r>
           </a:p>
         </p:txBody>
@@ -12581,7 +12472,10 @@
           <a:bodyPr/>
           <a:lstStyle/>
           <a:p>
-            <a:endParaRPr lang="es-US"/>
+            <a:r>
+              <a:rPr lang="es-US" dirty="0"/>
+              <a:t>ejemplo</a:t>
+            </a:r>
           </a:p>
         </p:txBody>
       </p:sp>
@@ -12807,7 +12701,10 @@
           <a:bodyPr/>
           <a:lstStyle/>
           <a:p>
-            <a:endParaRPr lang="es-US" dirty="0"/>
+            <a:r>
+              <a:rPr lang="es-US" dirty="0"/>
+              <a:t>ejemplo</a:t>
+            </a:r>
           </a:p>
         </p:txBody>
       </p:sp>
